--- a/make_presentation/templates/templates/classic/_22.pptx
+++ b/make_presentation/templates/templates/classic/_22.pptx
@@ -313,7 +313,7 @@
             <a:pPr algn="r">
               <a:buNone/>
             </a:pPr>
-            <a:fld id="{51260BC0-B032-4459-9A23-0E0DE34F2DD8}" type="slidenum">
+            <a:fld id="{1A9F0EFD-4DEF-45CB-8664-F89676349FCB}" type="slidenum">
               <a:rPr b="0" lang="en-US" sz="1400" spc="-1" strike="noStrike">
                 <a:latin typeface="Times New Roman"/>
               </a:rPr>
@@ -361,7 +361,7 @@
         <p:spPr>
           <a:xfrm>
             <a:off x="380880" y="685800"/>
-            <a:ext cx="6091920" cy="3425040"/>
+            <a:ext cx="6091560" cy="3424680"/>
           </a:xfrm>
           <a:prstGeom prst="rect">
             <a:avLst/>
@@ -384,7 +384,7 @@
         <p:spPr>
           <a:xfrm>
             <a:off x="685800" y="4343400"/>
-            <a:ext cx="5482440" cy="4110840"/>
+            <a:ext cx="5482080" cy="4110480"/>
           </a:xfrm>
           <a:prstGeom prst="rect">
             <a:avLst/>
@@ -418,7 +418,7 @@
         <p:spPr>
           <a:xfrm>
             <a:off x="3884760" y="8685360"/>
-            <a:ext cx="2967840" cy="453240"/>
+            <a:ext cx="2967480" cy="452880"/>
           </a:xfrm>
           <a:prstGeom prst="rect">
             <a:avLst/>
@@ -454,7 +454,7 @@
               </a:lnSpc>
               <a:buNone/>
             </a:pPr>
-            <a:fld id="{CCEA9B71-EDC2-4AC3-8CC1-96B283D66D46}" type="slidenum">
+            <a:fld id="{34EE6848-232E-4781-9E1F-ABB46F7FF7DF}" type="slidenum">
               <a:rPr b="0" lang="en-US" sz="1200" spc="-1" strike="noStrike">
                 <a:solidFill>
                   <a:srgbClr val="000000"/>
@@ -505,7 +505,7 @@
         <p:spPr>
           <a:xfrm>
             <a:off x="380880" y="685800"/>
-            <a:ext cx="6091920" cy="3425040"/>
+            <a:ext cx="6091560" cy="3424680"/>
           </a:xfrm>
           <a:prstGeom prst="rect">
             <a:avLst/>
@@ -528,7 +528,7 @@
         <p:spPr>
           <a:xfrm>
             <a:off x="685800" y="4343400"/>
-            <a:ext cx="5482440" cy="4110840"/>
+            <a:ext cx="5482080" cy="4110480"/>
           </a:xfrm>
           <a:prstGeom prst="rect">
             <a:avLst/>
@@ -562,7 +562,7 @@
         <p:spPr>
           <a:xfrm>
             <a:off x="3884760" y="8685360"/>
-            <a:ext cx="2967840" cy="453240"/>
+            <a:ext cx="2967480" cy="452880"/>
           </a:xfrm>
           <a:prstGeom prst="rect">
             <a:avLst/>
@@ -598,7 +598,7 @@
               </a:lnSpc>
               <a:buNone/>
             </a:pPr>
-            <a:fld id="{F77E77A6-46F5-40D7-B120-815260B716A4}" type="slidenum">
+            <a:fld id="{1AE2DCF5-73B6-4A94-A316-48E300DAA341}" type="slidenum">
               <a:rPr b="0" lang="en-US" sz="1200" spc="-1" strike="noStrike">
                 <a:solidFill>
                   <a:srgbClr val="000000"/>
@@ -649,7 +649,7 @@
         <p:spPr>
           <a:xfrm>
             <a:off x="380880" y="685800"/>
-            <a:ext cx="6091920" cy="3425040"/>
+            <a:ext cx="6091560" cy="3424680"/>
           </a:xfrm>
           <a:prstGeom prst="rect">
             <a:avLst/>
@@ -672,7 +672,7 @@
         <p:spPr>
           <a:xfrm>
             <a:off x="685800" y="4343400"/>
-            <a:ext cx="5482440" cy="4110840"/>
+            <a:ext cx="5482080" cy="4110480"/>
           </a:xfrm>
           <a:prstGeom prst="rect">
             <a:avLst/>
@@ -706,7 +706,7 @@
         <p:spPr>
           <a:xfrm>
             <a:off x="3884760" y="8685360"/>
-            <a:ext cx="2967840" cy="453240"/>
+            <a:ext cx="2967480" cy="452880"/>
           </a:xfrm>
           <a:prstGeom prst="rect">
             <a:avLst/>
@@ -742,7 +742,7 @@
               </a:lnSpc>
               <a:buNone/>
             </a:pPr>
-            <a:fld id="{CAB2DBA1-A937-4CE7-AC6F-D0E49827CFE4}" type="slidenum">
+            <a:fld id="{D70A0391-6A27-4E08-B9C8-3D0B4EA76626}" type="slidenum">
               <a:rPr b="0" lang="en-US" sz="1200" spc="-1" strike="noStrike">
                 <a:solidFill>
                   <a:srgbClr val="000000"/>
@@ -793,7 +793,7 @@
         <p:spPr>
           <a:xfrm>
             <a:off x="380880" y="685800"/>
-            <a:ext cx="6091920" cy="3425040"/>
+            <a:ext cx="6091560" cy="3424680"/>
           </a:xfrm>
           <a:prstGeom prst="rect">
             <a:avLst/>
@@ -816,7 +816,7 @@
         <p:spPr>
           <a:xfrm>
             <a:off x="685800" y="4343400"/>
-            <a:ext cx="5482440" cy="4110840"/>
+            <a:ext cx="5482080" cy="4110480"/>
           </a:xfrm>
           <a:prstGeom prst="rect">
             <a:avLst/>
@@ -850,7 +850,7 @@
         <p:spPr>
           <a:xfrm>
             <a:off x="3884760" y="8685360"/>
-            <a:ext cx="2967840" cy="453240"/>
+            <a:ext cx="2967480" cy="452880"/>
           </a:xfrm>
           <a:prstGeom prst="rect">
             <a:avLst/>
@@ -886,7 +886,7 @@
               </a:lnSpc>
               <a:buNone/>
             </a:pPr>
-            <a:fld id="{5FF0659E-9AF2-4D09-B6AE-1E1144E7D85F}" type="slidenum">
+            <a:fld id="{6BDB848D-94B5-4BE2-A584-2E2C20CC7E65}" type="slidenum">
               <a:rPr b="0" lang="en-US" sz="1200" spc="-1" strike="noStrike">
                 <a:solidFill>
                   <a:srgbClr val="000000"/>
@@ -937,7 +937,7 @@
         <p:spPr>
           <a:xfrm>
             <a:off x="380880" y="685800"/>
-            <a:ext cx="6091920" cy="3425040"/>
+            <a:ext cx="6091560" cy="3424680"/>
           </a:xfrm>
           <a:prstGeom prst="rect">
             <a:avLst/>
@@ -960,7 +960,7 @@
         <p:spPr>
           <a:xfrm>
             <a:off x="685800" y="4343400"/>
-            <a:ext cx="5482440" cy="4110840"/>
+            <a:ext cx="5482080" cy="4110480"/>
           </a:xfrm>
           <a:prstGeom prst="rect">
             <a:avLst/>
@@ -994,7 +994,7 @@
         <p:spPr>
           <a:xfrm>
             <a:off x="3884760" y="8685360"/>
-            <a:ext cx="2967840" cy="453240"/>
+            <a:ext cx="2967480" cy="452880"/>
           </a:xfrm>
           <a:prstGeom prst="rect">
             <a:avLst/>
@@ -1030,7 +1030,7 @@
               </a:lnSpc>
               <a:buNone/>
             </a:pPr>
-            <a:fld id="{117424CC-F3A3-4A90-9090-477C15A949CE}" type="slidenum">
+            <a:fld id="{7440299B-EE92-4B74-A603-2FB9BD490D6A}" type="slidenum">
               <a:rPr b="0" lang="en-US" sz="1200" spc="-1" strike="noStrike">
                 <a:solidFill>
                   <a:srgbClr val="000000"/>
@@ -1081,7 +1081,7 @@
         <p:spPr>
           <a:xfrm>
             <a:off x="380880" y="685800"/>
-            <a:ext cx="6091920" cy="3425040"/>
+            <a:ext cx="6091560" cy="3424680"/>
           </a:xfrm>
           <a:prstGeom prst="rect">
             <a:avLst/>
@@ -1104,7 +1104,7 @@
         <p:spPr>
           <a:xfrm>
             <a:off x="685800" y="4343400"/>
-            <a:ext cx="5482440" cy="4110840"/>
+            <a:ext cx="5482080" cy="4110480"/>
           </a:xfrm>
           <a:prstGeom prst="rect">
             <a:avLst/>
@@ -1138,7 +1138,7 @@
         <p:spPr>
           <a:xfrm>
             <a:off x="3884760" y="8685360"/>
-            <a:ext cx="2967840" cy="453240"/>
+            <a:ext cx="2967480" cy="452880"/>
           </a:xfrm>
           <a:prstGeom prst="rect">
             <a:avLst/>
@@ -1174,7 +1174,7 @@
               </a:lnSpc>
               <a:buNone/>
             </a:pPr>
-            <a:fld id="{5B02A4AD-D1F3-40E6-A14D-3FCF167C63BD}" type="slidenum">
+            <a:fld id="{DF0AB8B7-81B1-4D58-851A-FDFAA0F83515}" type="slidenum">
               <a:rPr b="0" lang="en-US" sz="1200" spc="-1" strike="noStrike">
                 <a:solidFill>
                   <a:srgbClr val="000000"/>
@@ -1225,7 +1225,7 @@
         <p:spPr>
           <a:xfrm>
             <a:off x="380880" y="685800"/>
-            <a:ext cx="6091920" cy="3425040"/>
+            <a:ext cx="6091560" cy="3424680"/>
           </a:xfrm>
           <a:prstGeom prst="rect">
             <a:avLst/>
@@ -1248,7 +1248,7 @@
         <p:spPr>
           <a:xfrm>
             <a:off x="685800" y="4343400"/>
-            <a:ext cx="5482440" cy="4110840"/>
+            <a:ext cx="5482080" cy="4110480"/>
           </a:xfrm>
           <a:prstGeom prst="rect">
             <a:avLst/>
@@ -1282,7 +1282,7 @@
         <p:spPr>
           <a:xfrm>
             <a:off x="3884760" y="8685360"/>
-            <a:ext cx="2967840" cy="453240"/>
+            <a:ext cx="2967480" cy="452880"/>
           </a:xfrm>
           <a:prstGeom prst="rect">
             <a:avLst/>
@@ -1318,7 +1318,7 @@
               </a:lnSpc>
               <a:buNone/>
             </a:pPr>
-            <a:fld id="{6F7AB5D2-3900-474F-88C5-F870D472E964}" type="slidenum">
+            <a:fld id="{F7DE27F5-FE57-4166-A885-54CCE53FC011}" type="slidenum">
               <a:rPr b="0" lang="en-US" sz="1200" spc="-1" strike="noStrike">
                 <a:solidFill>
                   <a:srgbClr val="000000"/>
@@ -1369,7 +1369,7 @@
         <p:spPr>
           <a:xfrm>
             <a:off x="380880" y="685800"/>
-            <a:ext cx="6091920" cy="3425040"/>
+            <a:ext cx="6091560" cy="3424680"/>
           </a:xfrm>
           <a:prstGeom prst="rect">
             <a:avLst/>
@@ -1392,7 +1392,7 @@
         <p:spPr>
           <a:xfrm>
             <a:off x="685800" y="4343400"/>
-            <a:ext cx="5482440" cy="4110840"/>
+            <a:ext cx="5482080" cy="4110480"/>
           </a:xfrm>
           <a:prstGeom prst="rect">
             <a:avLst/>
@@ -1426,7 +1426,7 @@
         <p:spPr>
           <a:xfrm>
             <a:off x="3884760" y="8685360"/>
-            <a:ext cx="2967840" cy="453240"/>
+            <a:ext cx="2967480" cy="452880"/>
           </a:xfrm>
           <a:prstGeom prst="rect">
             <a:avLst/>
@@ -1462,7 +1462,7 @@
               </a:lnSpc>
               <a:buNone/>
             </a:pPr>
-            <a:fld id="{6051D977-5D9A-4A8C-9BAE-B8440409E6CC}" type="slidenum">
+            <a:fld id="{0558945F-6635-4068-B659-37142C68B9EA}" type="slidenum">
               <a:rPr b="0" lang="en-US" sz="1200" spc="-1" strike="noStrike">
                 <a:solidFill>
                   <a:srgbClr val="000000"/>
@@ -1513,7 +1513,7 @@
         <p:spPr>
           <a:xfrm>
             <a:off x="380880" y="685800"/>
-            <a:ext cx="6091920" cy="3425040"/>
+            <a:ext cx="6091560" cy="3424680"/>
           </a:xfrm>
           <a:prstGeom prst="rect">
             <a:avLst/>
@@ -1536,7 +1536,7 @@
         <p:spPr>
           <a:xfrm>
             <a:off x="685800" y="4343400"/>
-            <a:ext cx="5482440" cy="4110840"/>
+            <a:ext cx="5482080" cy="4110480"/>
           </a:xfrm>
           <a:prstGeom prst="rect">
             <a:avLst/>
@@ -1570,7 +1570,7 @@
         <p:spPr>
           <a:xfrm>
             <a:off x="3884760" y="8685360"/>
-            <a:ext cx="2967840" cy="453240"/>
+            <a:ext cx="2967480" cy="452880"/>
           </a:xfrm>
           <a:prstGeom prst="rect">
             <a:avLst/>
@@ -1606,7 +1606,7 @@
               </a:lnSpc>
               <a:buNone/>
             </a:pPr>
-            <a:fld id="{6A58DAEB-6246-473E-9442-380E7627AF66}" type="slidenum">
+            <a:fld id="{706FDF6F-F381-4C06-8A64-AC0B9BD4F82D}" type="slidenum">
               <a:rPr b="0" lang="en-US" sz="1200" spc="-1" strike="noStrike">
                 <a:solidFill>
                   <a:srgbClr val="000000"/>
@@ -1657,7 +1657,7 @@
         <p:spPr>
           <a:xfrm>
             <a:off x="380880" y="685800"/>
-            <a:ext cx="6091920" cy="3425040"/>
+            <a:ext cx="6091560" cy="3424680"/>
           </a:xfrm>
           <a:prstGeom prst="rect">
             <a:avLst/>
@@ -1680,7 +1680,7 @@
         <p:spPr>
           <a:xfrm>
             <a:off x="685800" y="4343400"/>
-            <a:ext cx="5482440" cy="4110840"/>
+            <a:ext cx="5482080" cy="4110480"/>
           </a:xfrm>
           <a:prstGeom prst="rect">
             <a:avLst/>
@@ -1714,7 +1714,7 @@
         <p:spPr>
           <a:xfrm>
             <a:off x="3884760" y="8685360"/>
-            <a:ext cx="2967840" cy="453240"/>
+            <a:ext cx="2967480" cy="452880"/>
           </a:xfrm>
           <a:prstGeom prst="rect">
             <a:avLst/>
@@ -1750,7 +1750,7 @@
               </a:lnSpc>
               <a:buNone/>
             </a:pPr>
-            <a:fld id="{4DBF527D-FAB5-493E-974E-D8A51AE413E6}" type="slidenum">
+            <a:fld id="{222C20C5-DDDE-48DA-A09D-7728150176F1}" type="slidenum">
               <a:rPr b="0" lang="en-US" sz="1200" spc="-1" strike="noStrike">
                 <a:solidFill>
                   <a:srgbClr val="000000"/>
@@ -1801,7 +1801,7 @@
         <p:spPr>
           <a:xfrm>
             <a:off x="380880" y="685800"/>
-            <a:ext cx="6091920" cy="3425040"/>
+            <a:ext cx="6091560" cy="3424680"/>
           </a:xfrm>
           <a:prstGeom prst="rect">
             <a:avLst/>
@@ -1824,7 +1824,7 @@
         <p:spPr>
           <a:xfrm>
             <a:off x="685800" y="4343400"/>
-            <a:ext cx="5482440" cy="4110840"/>
+            <a:ext cx="5482080" cy="4110480"/>
           </a:xfrm>
           <a:prstGeom prst="rect">
             <a:avLst/>
@@ -1858,7 +1858,7 @@
         <p:spPr>
           <a:xfrm>
             <a:off x="3884760" y="8685360"/>
-            <a:ext cx="2967840" cy="453240"/>
+            <a:ext cx="2967480" cy="452880"/>
           </a:xfrm>
           <a:prstGeom prst="rect">
             <a:avLst/>
@@ -1894,7 +1894,7 @@
               </a:lnSpc>
               <a:buNone/>
             </a:pPr>
-            <a:fld id="{A90BE73D-7A7B-4014-A9DB-FFC7FE8A33BF}" type="slidenum">
+            <a:fld id="{A7282DA6-C563-4E4E-9699-AE7588AE52C1}" type="slidenum">
               <a:rPr b="0" lang="en-US" sz="1200" spc="-1" strike="noStrike">
                 <a:solidFill>
                   <a:srgbClr val="000000"/>
@@ -1945,7 +1945,7 @@
         <p:spPr>
           <a:xfrm>
             <a:off x="380880" y="685800"/>
-            <a:ext cx="6091920" cy="3425040"/>
+            <a:ext cx="6091560" cy="3424680"/>
           </a:xfrm>
           <a:prstGeom prst="rect">
             <a:avLst/>
@@ -1968,7 +1968,7 @@
         <p:spPr>
           <a:xfrm>
             <a:off x="685800" y="4343400"/>
-            <a:ext cx="5482440" cy="4110840"/>
+            <a:ext cx="5482080" cy="4110480"/>
           </a:xfrm>
           <a:prstGeom prst="rect">
             <a:avLst/>
@@ -2002,7 +2002,7 @@
         <p:spPr>
           <a:xfrm>
             <a:off x="3884760" y="8685360"/>
-            <a:ext cx="2967840" cy="453240"/>
+            <a:ext cx="2967480" cy="452880"/>
           </a:xfrm>
           <a:prstGeom prst="rect">
             <a:avLst/>
@@ -2038,7 +2038,7 @@
               </a:lnSpc>
               <a:buNone/>
             </a:pPr>
-            <a:fld id="{B3B1DCA6-E454-4B7C-A306-8082B68DE74D}" type="slidenum">
+            <a:fld id="{E43A3013-A576-43DF-A586-04ED27184BA6}" type="slidenum">
               <a:rPr b="0" lang="en-US" sz="1200" spc="-1" strike="noStrike">
                 <a:solidFill>
                   <a:srgbClr val="000000"/>
@@ -2089,7 +2089,7 @@
         <p:spPr>
           <a:xfrm>
             <a:off x="380880" y="685800"/>
-            <a:ext cx="6091920" cy="3425040"/>
+            <a:ext cx="6091560" cy="3424680"/>
           </a:xfrm>
           <a:prstGeom prst="rect">
             <a:avLst/>
@@ -2112,7 +2112,7 @@
         <p:spPr>
           <a:xfrm>
             <a:off x="685800" y="4343400"/>
-            <a:ext cx="5482440" cy="4110840"/>
+            <a:ext cx="5482080" cy="4110480"/>
           </a:xfrm>
           <a:prstGeom prst="rect">
             <a:avLst/>
@@ -2146,7 +2146,7 @@
         <p:spPr>
           <a:xfrm>
             <a:off x="3884760" y="8685360"/>
-            <a:ext cx="2967840" cy="453240"/>
+            <a:ext cx="2967480" cy="452880"/>
           </a:xfrm>
           <a:prstGeom prst="rect">
             <a:avLst/>
@@ -2182,7 +2182,7 @@
               </a:lnSpc>
               <a:buNone/>
             </a:pPr>
-            <a:fld id="{3930BBB3-692A-44A4-AE8F-8F63C72DEC43}" type="slidenum">
+            <a:fld id="{F21AC3D5-EA3F-42F5-8BFF-34E997AEBD7E}" type="slidenum">
               <a:rPr b="0" lang="en-US" sz="1200" spc="-1" strike="noStrike">
                 <a:solidFill>
                   <a:srgbClr val="000000"/>
@@ -2233,7 +2233,7 @@
         <p:spPr>
           <a:xfrm>
             <a:off x="380880" y="685800"/>
-            <a:ext cx="6091920" cy="3425040"/>
+            <a:ext cx="6091560" cy="3424680"/>
           </a:xfrm>
           <a:prstGeom prst="rect">
             <a:avLst/>
@@ -2256,7 +2256,7 @@
         <p:spPr>
           <a:xfrm>
             <a:off x="685800" y="4343400"/>
-            <a:ext cx="5482440" cy="4110840"/>
+            <a:ext cx="5482080" cy="4110480"/>
           </a:xfrm>
           <a:prstGeom prst="rect">
             <a:avLst/>
@@ -2290,7 +2290,7 @@
         <p:spPr>
           <a:xfrm>
             <a:off x="3884760" y="8685360"/>
-            <a:ext cx="2967840" cy="453240"/>
+            <a:ext cx="2967480" cy="452880"/>
           </a:xfrm>
           <a:prstGeom prst="rect">
             <a:avLst/>
@@ -2326,7 +2326,7 @@
               </a:lnSpc>
               <a:buNone/>
             </a:pPr>
-            <a:fld id="{5F97FB5B-EB9E-4114-BC4A-672F0A7C823E}" type="slidenum">
+            <a:fld id="{546EAF38-0D5D-4635-8F33-341DD92E4E27}" type="slidenum">
               <a:rPr b="0" lang="en-US" sz="1200" spc="-1" strike="noStrike">
                 <a:solidFill>
                   <a:srgbClr val="000000"/>
@@ -2377,7 +2377,7 @@
         <p:spPr>
           <a:xfrm>
             <a:off x="380880" y="685800"/>
-            <a:ext cx="6091920" cy="3425040"/>
+            <a:ext cx="6091560" cy="3424680"/>
           </a:xfrm>
           <a:prstGeom prst="rect">
             <a:avLst/>
@@ -2400,7 +2400,7 @@
         <p:spPr>
           <a:xfrm>
             <a:off x="685800" y="4343400"/>
-            <a:ext cx="5482440" cy="4110840"/>
+            <a:ext cx="5482080" cy="4110480"/>
           </a:xfrm>
           <a:prstGeom prst="rect">
             <a:avLst/>
@@ -2434,7 +2434,7 @@
         <p:spPr>
           <a:xfrm>
             <a:off x="3884760" y="8685360"/>
-            <a:ext cx="2967840" cy="453240"/>
+            <a:ext cx="2967480" cy="452880"/>
           </a:xfrm>
           <a:prstGeom prst="rect">
             <a:avLst/>
@@ -2470,7 +2470,7 @@
               </a:lnSpc>
               <a:buNone/>
             </a:pPr>
-            <a:fld id="{F8FF04FC-A562-4C4E-A814-353F2BAA4CC5}" type="slidenum">
+            <a:fld id="{E725EA22-370A-4154-89FA-AC72AE5CE9DE}" type="slidenum">
               <a:rPr b="0" lang="en-US" sz="1200" spc="-1" strike="noStrike">
                 <a:solidFill>
                   <a:srgbClr val="000000"/>
@@ -2521,7 +2521,7 @@
         <p:spPr>
           <a:xfrm>
             <a:off x="380880" y="685800"/>
-            <a:ext cx="6091920" cy="3425040"/>
+            <a:ext cx="6091560" cy="3424680"/>
           </a:xfrm>
           <a:prstGeom prst="rect">
             <a:avLst/>
@@ -2544,7 +2544,7 @@
         <p:spPr>
           <a:xfrm>
             <a:off x="685800" y="4343400"/>
-            <a:ext cx="5482440" cy="4110840"/>
+            <a:ext cx="5482080" cy="4110480"/>
           </a:xfrm>
           <a:prstGeom prst="rect">
             <a:avLst/>
@@ -2578,7 +2578,7 @@
         <p:spPr>
           <a:xfrm>
             <a:off x="3884760" y="8685360"/>
-            <a:ext cx="2967840" cy="453240"/>
+            <a:ext cx="2967480" cy="452880"/>
           </a:xfrm>
           <a:prstGeom prst="rect">
             <a:avLst/>
@@ -2614,7 +2614,7 @@
               </a:lnSpc>
               <a:buNone/>
             </a:pPr>
-            <a:fld id="{AE3EE024-FAFD-43AB-8AB3-74EBF8814026}" type="slidenum">
+            <a:fld id="{A67BBECC-5DA6-4A5A-885C-FFADA5464B75}" type="slidenum">
               <a:rPr b="0" lang="en-US" sz="1200" spc="-1" strike="noStrike">
                 <a:solidFill>
                   <a:srgbClr val="000000"/>
@@ -2665,7 +2665,7 @@
         <p:spPr>
           <a:xfrm>
             <a:off x="380880" y="685800"/>
-            <a:ext cx="6091920" cy="3425040"/>
+            <a:ext cx="6091560" cy="3424680"/>
           </a:xfrm>
           <a:prstGeom prst="rect">
             <a:avLst/>
@@ -2688,7 +2688,7 @@
         <p:spPr>
           <a:xfrm>
             <a:off x="685800" y="4343400"/>
-            <a:ext cx="5482440" cy="4110840"/>
+            <a:ext cx="5482080" cy="4110480"/>
           </a:xfrm>
           <a:prstGeom prst="rect">
             <a:avLst/>
@@ -2722,7 +2722,7 @@
         <p:spPr>
           <a:xfrm>
             <a:off x="3884760" y="8685360"/>
-            <a:ext cx="2967840" cy="453240"/>
+            <a:ext cx="2967480" cy="452880"/>
           </a:xfrm>
           <a:prstGeom prst="rect">
             <a:avLst/>
@@ -2758,7 +2758,7 @@
               </a:lnSpc>
               <a:buNone/>
             </a:pPr>
-            <a:fld id="{CB6DACF6-55D7-4C13-9477-516B67EE163D}" type="slidenum">
+            <a:fld id="{D95530DF-5D93-47C3-90E5-167096201644}" type="slidenum">
               <a:rPr b="0" lang="en-US" sz="1200" spc="-1" strike="noStrike">
                 <a:solidFill>
                   <a:srgbClr val="000000"/>
@@ -2809,7 +2809,7 @@
         <p:spPr>
           <a:xfrm>
             <a:off x="380880" y="685800"/>
-            <a:ext cx="6091920" cy="3425040"/>
+            <a:ext cx="6091560" cy="3424680"/>
           </a:xfrm>
           <a:prstGeom prst="rect">
             <a:avLst/>
@@ -2832,7 +2832,7 @@
         <p:spPr>
           <a:xfrm>
             <a:off x="685800" y="4343400"/>
-            <a:ext cx="5482440" cy="4110840"/>
+            <a:ext cx="5482080" cy="4110480"/>
           </a:xfrm>
           <a:prstGeom prst="rect">
             <a:avLst/>
@@ -2866,7 +2866,7 @@
         <p:spPr>
           <a:xfrm>
             <a:off x="3884760" y="8685360"/>
-            <a:ext cx="2967840" cy="453240"/>
+            <a:ext cx="2967480" cy="452880"/>
           </a:xfrm>
           <a:prstGeom prst="rect">
             <a:avLst/>
@@ -2902,7 +2902,7 @@
               </a:lnSpc>
               <a:buNone/>
             </a:pPr>
-            <a:fld id="{23FDFCCC-A6AA-4354-875B-D8A6115C52A3}" type="slidenum">
+            <a:fld id="{4DFBA4BF-79F3-4754-8ED7-68AB3126DD82}" type="slidenum">
               <a:rPr b="0" lang="en-US" sz="1200" spc="-1" strike="noStrike">
                 <a:solidFill>
                   <a:srgbClr val="000000"/>
@@ -2953,7 +2953,7 @@
         <p:spPr>
           <a:xfrm>
             <a:off x="380880" y="685800"/>
-            <a:ext cx="6091920" cy="3425040"/>
+            <a:ext cx="6091560" cy="3424680"/>
           </a:xfrm>
           <a:prstGeom prst="rect">
             <a:avLst/>
@@ -2976,7 +2976,7 @@
         <p:spPr>
           <a:xfrm>
             <a:off x="685800" y="4343400"/>
-            <a:ext cx="5482440" cy="4110840"/>
+            <a:ext cx="5482080" cy="4110480"/>
           </a:xfrm>
           <a:prstGeom prst="rect">
             <a:avLst/>
@@ -3010,7 +3010,7 @@
         <p:spPr>
           <a:xfrm>
             <a:off x="3884760" y="8685360"/>
-            <a:ext cx="2967840" cy="453240"/>
+            <a:ext cx="2967480" cy="452880"/>
           </a:xfrm>
           <a:prstGeom prst="rect">
             <a:avLst/>
@@ -3046,7 +3046,7 @@
               </a:lnSpc>
               <a:buNone/>
             </a:pPr>
-            <a:fld id="{302A7D17-7440-4042-9422-B66AAF549009}" type="slidenum">
+            <a:fld id="{125D3A78-9A8B-45D1-90EB-71E1CADB39D8}" type="slidenum">
               <a:rPr b="0" lang="en-US" sz="1200" spc="-1" strike="noStrike">
                 <a:solidFill>
                   <a:srgbClr val="000000"/>
@@ -3097,7 +3097,7 @@
         <p:spPr>
           <a:xfrm>
             <a:off x="380880" y="685800"/>
-            <a:ext cx="6091920" cy="3425040"/>
+            <a:ext cx="6091560" cy="3424680"/>
           </a:xfrm>
           <a:prstGeom prst="rect">
             <a:avLst/>
@@ -3120,7 +3120,7 @@
         <p:spPr>
           <a:xfrm>
             <a:off x="685800" y="4343400"/>
-            <a:ext cx="5482440" cy="4110840"/>
+            <a:ext cx="5482080" cy="4110480"/>
           </a:xfrm>
           <a:prstGeom prst="rect">
             <a:avLst/>
@@ -3154,7 +3154,7 @@
         <p:spPr>
           <a:xfrm>
             <a:off x="3884760" y="8685360"/>
-            <a:ext cx="2967840" cy="453240"/>
+            <a:ext cx="2967480" cy="452880"/>
           </a:xfrm>
           <a:prstGeom prst="rect">
             <a:avLst/>
@@ -3190,7 +3190,7 @@
               </a:lnSpc>
               <a:buNone/>
             </a:pPr>
-            <a:fld id="{A0731084-173D-4C80-84A0-82C859CBEF52}" type="slidenum">
+            <a:fld id="{7A954F10-E99B-4426-9618-8866A47BB809}" type="slidenum">
               <a:rPr b="0" lang="en-US" sz="1200" spc="-1" strike="noStrike">
                 <a:solidFill>
                   <a:srgbClr val="000000"/>
@@ -3241,7 +3241,7 @@
         <p:spPr>
           <a:xfrm>
             <a:off x="380880" y="685800"/>
-            <a:ext cx="6091920" cy="3425040"/>
+            <a:ext cx="6091560" cy="3424680"/>
           </a:xfrm>
           <a:prstGeom prst="rect">
             <a:avLst/>
@@ -3264,7 +3264,7 @@
         <p:spPr>
           <a:xfrm>
             <a:off x="685800" y="4343400"/>
-            <a:ext cx="5482440" cy="4110840"/>
+            <a:ext cx="5482080" cy="4110480"/>
           </a:xfrm>
           <a:prstGeom prst="rect">
             <a:avLst/>
@@ -3298,7 +3298,7 @@
         <p:spPr>
           <a:xfrm>
             <a:off x="3884760" y="8685360"/>
-            <a:ext cx="2967840" cy="453240"/>
+            <a:ext cx="2967480" cy="452880"/>
           </a:xfrm>
           <a:prstGeom prst="rect">
             <a:avLst/>
@@ -3334,7 +3334,7 @@
               </a:lnSpc>
               <a:buNone/>
             </a:pPr>
-            <a:fld id="{AD9F90C5-DA08-46CD-AB23-3A5866867E43}" type="slidenum">
+            <a:fld id="{2A3A8DE1-A525-458E-BDAB-69839986D3F3}" type="slidenum">
               <a:rPr b="0" lang="en-US" sz="1200" spc="-1" strike="noStrike">
                 <a:solidFill>
                   <a:srgbClr val="000000"/>
@@ -3385,7 +3385,7 @@
         <p:spPr>
           <a:xfrm>
             <a:off x="380880" y="685800"/>
-            <a:ext cx="6091920" cy="3425040"/>
+            <a:ext cx="6091560" cy="3424680"/>
           </a:xfrm>
           <a:prstGeom prst="rect">
             <a:avLst/>
@@ -3408,7 +3408,7 @@
         <p:spPr>
           <a:xfrm>
             <a:off x="685800" y="4343400"/>
-            <a:ext cx="5482440" cy="4110840"/>
+            <a:ext cx="5482080" cy="4110480"/>
           </a:xfrm>
           <a:prstGeom prst="rect">
             <a:avLst/>
@@ -3442,7 +3442,7 @@
         <p:spPr>
           <a:xfrm>
             <a:off x="3884760" y="8685360"/>
-            <a:ext cx="2967840" cy="453240"/>
+            <a:ext cx="2967480" cy="452880"/>
           </a:xfrm>
           <a:prstGeom prst="rect">
             <a:avLst/>
@@ -3478,7 +3478,7 @@
               </a:lnSpc>
               <a:buNone/>
             </a:pPr>
-            <a:fld id="{492F8F20-40E4-441D-AA3E-37868084CD7E}" type="slidenum">
+            <a:fld id="{D7F8CD82-85DB-499F-8E17-63FE0E389F5B}" type="slidenum">
               <a:rPr b="0" lang="en-US" sz="1200" spc="-1" strike="noStrike">
                 <a:solidFill>
                   <a:srgbClr val="000000"/>
@@ -3550,7 +3550,7 @@
         <p:txBody>
           <a:bodyPr/>
           <a:p>
-            <a:fld id="{11B2EBA8-54C5-4571-89A2-CDA5A97062AE}" type="slidenum">
+            <a:fld id="{A9F72673-3D3E-42CC-9845-5C51756FE580}" type="slidenum">
               <a:t>&lt;#&gt;</a:t>
             </a:fld>
           </a:p>
@@ -3738,7 +3738,7 @@
         <p:txBody>
           <a:bodyPr/>
           <a:p>
-            <a:fld id="{B90E75F5-0C2A-4F94-A6C6-2A40A9AD1037}" type="slidenum">
+            <a:fld id="{D33C4B7F-5256-45BB-8C95-2123322C6FD0}" type="slidenum">
               <a:t>&lt;#&gt;</a:t>
             </a:fld>
           </a:p>
@@ -3994,7 +3994,7 @@
         <p:txBody>
           <a:bodyPr/>
           <a:p>
-            <a:fld id="{2AB1A0A0-D5E9-46B6-B37C-759B897135E9}" type="slidenum">
+            <a:fld id="{930D3150-317E-4099-9A50-108B58E60CFE}" type="slidenum">
               <a:t>&lt;#&gt;</a:t>
             </a:fld>
           </a:p>
@@ -4318,7 +4318,7 @@
         <p:txBody>
           <a:bodyPr/>
           <a:p>
-            <a:fld id="{8049444D-50DD-483F-AA29-0B66F16BB94B}" type="slidenum">
+            <a:fld id="{21630AA5-ADA7-4BFE-A5B3-F98BB2267B41}" type="slidenum">
               <a:t>&lt;#&gt;</a:t>
             </a:fld>
           </a:p>
@@ -4475,7 +4475,7 @@
         <p:txBody>
           <a:bodyPr/>
           <a:p>
-            <a:fld id="{3D6804B5-A3E6-49D4-9379-5A227362A1A5}" type="slidenum">
+            <a:fld id="{D88EFE5F-4E4C-4C0F-B335-BB2C19B5DB4A}" type="slidenum">
               <a:t>&lt;#&gt;</a:t>
             </a:fld>
           </a:p>
@@ -4629,7 +4629,7 @@
         <p:txBody>
           <a:bodyPr/>
           <a:p>
-            <a:fld id="{18F26747-0C94-441B-93C1-EDAED0796B10}" type="slidenum">
+            <a:fld id="{93AB6D18-2CF5-4776-9222-A17181B958D7}" type="slidenum">
               <a:t>&lt;#&gt;</a:t>
             </a:fld>
           </a:p>
@@ -4817,7 +4817,7 @@
         <p:txBody>
           <a:bodyPr/>
           <a:p>
-            <a:fld id="{45F71B75-F019-4DE2-AEEC-4B2AD4C1ED29}" type="slidenum">
+            <a:fld id="{28A91C0A-3EBB-4936-931F-5986CB882108}" type="slidenum">
               <a:t>&lt;#&gt;</a:t>
             </a:fld>
           </a:p>
@@ -4937,7 +4937,7 @@
         <p:txBody>
           <a:bodyPr/>
           <a:p>
-            <a:fld id="{C065C434-F7BB-459A-A7B3-435944FBCBB2}" type="slidenum">
+            <a:fld id="{4ACA15B7-F0C8-4287-B8D2-CEF8A0A91497}" type="slidenum">
               <a:t>&lt;#&gt;</a:t>
             </a:fld>
           </a:p>
@@ -5057,7 +5057,7 @@
         <p:txBody>
           <a:bodyPr/>
           <a:p>
-            <a:fld id="{C6C3EF09-13BA-4E1E-9A9F-56687AD42A2A}" type="slidenum">
+            <a:fld id="{19A04F0B-C934-492F-BA24-52B7149E53F1}" type="slidenum">
               <a:t>&lt;#&gt;</a:t>
             </a:fld>
           </a:p>
@@ -5279,7 +5279,7 @@
         <p:txBody>
           <a:bodyPr/>
           <a:p>
-            <a:fld id="{3A28AA79-A9A7-4261-8346-05754793685F}" type="slidenum">
+            <a:fld id="{8E8D6763-B46C-4247-B899-02DF6E3CB71F}" type="slidenum">
               <a:t>&lt;#&gt;</a:t>
             </a:fld>
           </a:p>
@@ -5501,7 +5501,7 @@
         <p:txBody>
           <a:bodyPr/>
           <a:p>
-            <a:fld id="{98EA5CDB-A894-4E5B-9D18-23A151D359CB}" type="slidenum">
+            <a:fld id="{12AB8CCF-1916-478B-B91C-FA4187F6019A}" type="slidenum">
               <a:t>&lt;#&gt;</a:t>
             </a:fld>
           </a:p>
@@ -5723,7 +5723,7 @@
         <p:txBody>
           <a:bodyPr/>
           <a:p>
-            <a:fld id="{4C06A82E-32BC-4FFE-9D88-4B979241774C}" type="slidenum">
+            <a:fld id="{18EE4840-165C-4279-BBF9-96FC20E66E11}" type="slidenum">
               <a:t>&lt;#&gt;</a:t>
             </a:fld>
           </a:p>
@@ -5792,7 +5792,7 @@
         <p:spPr>
           <a:xfrm>
             <a:off x="3028680" y="4771440"/>
-            <a:ext cx="3082680" cy="270720"/>
+            <a:ext cx="3082320" cy="270360"/>
           </a:xfrm>
           <a:prstGeom prst="rect">
             <a:avLst/>
@@ -5857,7 +5857,7 @@
         <p:spPr>
           <a:xfrm>
             <a:off x="6457680" y="4771440"/>
-            <a:ext cx="2054160" cy="270720"/>
+            <a:ext cx="2053800" cy="270360"/>
           </a:xfrm>
           <a:prstGeom prst="rect">
             <a:avLst/>
@@ -5893,7 +5893,7 @@
               </a:lnSpc>
               <a:buNone/>
             </a:pPr>
-            <a:fld id="{CFDDA685-C8C5-43D7-B333-FF4355075DD6}" type="slidenum">
+            <a:fld id="{F719814E-0862-463B-A065-584AA5CE77B6}" type="slidenum">
               <a:rPr b="0" lang="en-US" sz="1200" spc="-1" strike="noStrike">
                 <a:solidFill>
                   <a:srgbClr val="8b8b8b"/>
@@ -5901,7 +5901,7 @@
                 <a:latin typeface="Calibri"/>
                 <a:ea typeface="DejaVu Sans"/>
               </a:rPr>
-              <a:t>21</a:t>
+              <a:t>1</a:t>
             </a:fld>
             <a:endParaRPr b="0" lang="en-US" sz="1200" spc="-1" strike="noStrike">
               <a:latin typeface="Times New Roman"/>
@@ -5922,7 +5922,7 @@
         <p:spPr>
           <a:xfrm>
             <a:off x="628200" y="4771440"/>
-            <a:ext cx="2054160" cy="270720"/>
+            <a:ext cx="2053800" cy="270360"/>
           </a:xfrm>
           <a:prstGeom prst="rect">
             <a:avLst/>
@@ -6234,8 +6234,8 @@
         </p:nvSpPr>
         <p:spPr>
           <a:xfrm rot="2744400">
-            <a:off x="-281520" y="-25920"/>
-            <a:ext cx="704880" cy="704520"/>
+            <a:off x="-281160" y="-25920"/>
+            <a:ext cx="704520" cy="704160"/>
           </a:xfrm>
           <a:prstGeom prst="roundRect">
             <a:avLst>
@@ -6273,7 +6273,7 @@
         <p:spPr>
           <a:xfrm rot="2625600">
             <a:off x="6024960" y="4332960"/>
-            <a:ext cx="468720" cy="468720"/>
+            <a:ext cx="468360" cy="468360"/>
           </a:xfrm>
           <a:prstGeom prst="roundRect">
             <a:avLst>
@@ -6310,8 +6310,8 @@
         </p:nvSpPr>
         <p:spPr>
           <a:xfrm rot="18679200">
-            <a:off x="7004160" y="948600"/>
-            <a:ext cx="4940280" cy="4666680"/>
+            <a:off x="7003800" y="948600"/>
+            <a:ext cx="4939920" cy="4666320"/>
           </a:xfrm>
           <a:prstGeom prst="roundRect">
             <a:avLst>
@@ -6349,7 +6349,7 @@
         <p:spPr>
           <a:xfrm>
             <a:off x="459720" y="4671360"/>
-            <a:ext cx="2995920" cy="266760"/>
+            <a:ext cx="2995560" cy="266400"/>
           </a:xfrm>
           <a:prstGeom prst="rect">
             <a:avLst/>
@@ -6414,8 +6414,8 @@
         </p:blipFill>
         <p:spPr>
           <a:xfrm>
-            <a:off x="2423160" y="4671720"/>
-            <a:ext cx="288360" cy="288360"/>
+            <a:off x="2999160" y="4779720"/>
+            <a:ext cx="288000" cy="288000"/>
           </a:xfrm>
           <a:prstGeom prst="rect">
             <a:avLst/>
@@ -6434,7 +6434,7 @@
         <p:spPr>
           <a:xfrm>
             <a:off x="484920" y="1681560"/>
-            <a:ext cx="5481360" cy="1882800"/>
+            <a:ext cx="5481000" cy="1882440"/>
           </a:xfrm>
           <a:prstGeom prst="rect">
             <a:avLst/>
@@ -6522,8 +6522,8 @@
         </p:nvSpPr>
         <p:spPr>
           <a:xfrm rot="2744400">
-            <a:off x="-281520" y="-25920"/>
-            <a:ext cx="704880" cy="704520"/>
+            <a:off x="-281160" y="-25920"/>
+            <a:ext cx="704520" cy="704160"/>
           </a:xfrm>
           <a:prstGeom prst="roundRect">
             <a:avLst>
@@ -6561,7 +6561,7 @@
         <p:spPr>
           <a:xfrm rot="2332200">
             <a:off x="6009480" y="-319680"/>
-            <a:ext cx="4856040" cy="7727040"/>
+            <a:ext cx="4855680" cy="7726680"/>
           </a:xfrm>
           <a:prstGeom prst="roundRect">
             <a:avLst>
@@ -6599,9 +6599,9 @@
         <p:grpSpPr>
           <a:xfrm>
             <a:off x="4571640" y="828000"/>
-            <a:ext cx="4468680" cy="3564720"/>
+            <a:ext cx="4468320" cy="3564360"/>
             <a:chOff x="4571640" y="828000"/>
-            <a:chExt cx="4468680" cy="3564720"/>
+            <a:chExt cx="4468320" cy="3564360"/>
           </a:xfrm>
         </p:grpSpPr>
         <p:pic>
@@ -6617,7 +6617,7 @@
           <p:spPr>
             <a:xfrm>
               <a:off x="4571640" y="828000"/>
-              <a:ext cx="4468680" cy="3564720"/>
+              <a:ext cx="4468320" cy="3564360"/>
             </a:xfrm>
             <a:prstGeom prst="rect">
               <a:avLst/>
@@ -6635,8 +6635,8 @@
           </p:nvSpPr>
           <p:spPr>
             <a:xfrm rot="16200000">
-              <a:off x="5962680" y="1158480"/>
-              <a:ext cx="1737720" cy="2771640"/>
+              <a:off x="5962680" y="1158840"/>
+              <a:ext cx="1737360" cy="2771280"/>
             </a:xfrm>
             <a:prstGeom prst="roundRect">
               <a:avLst>
@@ -6703,7 +6703,7 @@
         <p:spPr>
           <a:xfrm>
             <a:off x="5446080" y="1672200"/>
-            <a:ext cx="2771280" cy="1737720"/>
+            <a:ext cx="2770920" cy="1737360"/>
           </a:xfrm>
           <a:prstGeom prst="rect">
             <a:avLst/>
@@ -6755,7 +6755,7 @@
         <p:spPr>
           <a:xfrm>
             <a:off x="586440" y="1246680"/>
-            <a:ext cx="4004640" cy="3600360"/>
+            <a:ext cx="4004280" cy="3600000"/>
           </a:xfrm>
           <a:prstGeom prst="rect">
             <a:avLst/>
@@ -6807,7 +6807,7 @@
         <p:spPr>
           <a:xfrm>
             <a:off x="586440" y="453960"/>
-            <a:ext cx="4764600" cy="855720"/>
+            <a:ext cx="4764240" cy="855360"/>
           </a:xfrm>
           <a:prstGeom prst="rect">
             <a:avLst/>
@@ -6896,7 +6896,7 @@
         <p:spPr>
           <a:xfrm rot="2745600">
             <a:off x="8349840" y="-668160"/>
-            <a:ext cx="1498680" cy="1498680"/>
+            <a:ext cx="1498320" cy="1498320"/>
           </a:xfrm>
           <a:prstGeom prst="roundRect">
             <a:avLst>
@@ -6933,8 +6933,8 @@
         </p:nvSpPr>
         <p:spPr>
           <a:xfrm rot="2745600">
-            <a:off x="7634160" y="-322560"/>
-            <a:ext cx="807480" cy="807840"/>
+            <a:off x="7634160" y="-322200"/>
+            <a:ext cx="807120" cy="807480"/>
           </a:xfrm>
           <a:prstGeom prst="roundRect">
             <a:avLst>
@@ -6973,7 +6973,7 @@
         <p:spPr>
           <a:xfrm>
             <a:off x="586440" y="899640"/>
-            <a:ext cx="7932240" cy="1537560"/>
+            <a:ext cx="7931880" cy="1537200"/>
           </a:xfrm>
           <a:prstGeom prst="rect">
             <a:avLst/>
@@ -7025,7 +7025,7 @@
         <p:spPr>
           <a:xfrm>
             <a:off x="608040" y="2545560"/>
-            <a:ext cx="3712680" cy="2256120"/>
+            <a:ext cx="3712320" cy="2255760"/>
           </a:xfrm>
           <a:prstGeom prst="rect">
             <a:avLst/>
@@ -7077,7 +7077,7 @@
         <p:spPr>
           <a:xfrm>
             <a:off x="4806360" y="2545560"/>
-            <a:ext cx="3712680" cy="2256120"/>
+            <a:ext cx="3712320" cy="2255760"/>
           </a:xfrm>
           <a:prstGeom prst="rect">
             <a:avLst/>
@@ -7129,7 +7129,7 @@
         <p:spPr>
           <a:xfrm>
             <a:off x="583200" y="450720"/>
-            <a:ext cx="7198560" cy="512640"/>
+            <a:ext cx="7198200" cy="512280"/>
           </a:xfrm>
           <a:prstGeom prst="rect">
             <a:avLst/>
@@ -7211,7 +7211,7 @@
         <p:spPr>
           <a:xfrm>
             <a:off x="586440" y="1246680"/>
-            <a:ext cx="4004640" cy="3600360"/>
+            <a:ext cx="4004280" cy="3600000"/>
           </a:xfrm>
           <a:prstGeom prst="rect">
             <a:avLst/>
@@ -7263,7 +7263,7 @@
         <p:spPr>
           <a:xfrm>
             <a:off x="559800" y="446040"/>
-            <a:ext cx="4284000" cy="684000"/>
+            <a:ext cx="4283640" cy="683640"/>
           </a:xfrm>
           <a:prstGeom prst="rect">
             <a:avLst/>
@@ -7315,7 +7315,7 @@
         <p:spPr>
           <a:xfrm>
             <a:off x="5097600" y="360"/>
-            <a:ext cx="4380120" cy="5144400"/>
+            <a:ext cx="4379760" cy="5144040"/>
           </a:xfrm>
           <a:prstGeom prst="roundRect">
             <a:avLst>
@@ -7380,8 +7380,8 @@
         </p:nvSpPr>
         <p:spPr>
           <a:xfrm rot="2744400">
-            <a:off x="-281520" y="-25920"/>
-            <a:ext cx="704880" cy="704520"/>
+            <a:off x="-281160" y="-25920"/>
+            <a:ext cx="704520" cy="704160"/>
           </a:xfrm>
           <a:prstGeom prst="roundRect">
             <a:avLst>
@@ -7419,7 +7419,7 @@
         <p:spPr>
           <a:xfrm rot="2625600">
             <a:off x="4861080" y="4146840"/>
-            <a:ext cx="468720" cy="468720"/>
+            <a:ext cx="468360" cy="468360"/>
           </a:xfrm>
           <a:prstGeom prst="roundRect">
             <a:avLst>
@@ -7493,8 +7493,8 @@
         </p:nvSpPr>
         <p:spPr>
           <a:xfrm rot="2744400">
-            <a:off x="-350640" y="4540320"/>
-            <a:ext cx="704880" cy="704520"/>
+            <a:off x="-350280" y="4539960"/>
+            <a:ext cx="704520" cy="704160"/>
           </a:xfrm>
           <a:prstGeom prst="roundRect">
             <a:avLst>
@@ -7531,8 +7531,8 @@
         </p:nvSpPr>
         <p:spPr>
           <a:xfrm rot="19228200">
-            <a:off x="5846760" y="-2266920"/>
-            <a:ext cx="4855680" cy="7726680"/>
+            <a:off x="5846400" y="-2266560"/>
+            <a:ext cx="4855320" cy="7726320"/>
           </a:xfrm>
           <a:prstGeom prst="roundRect">
             <a:avLst>
@@ -7570,9 +7570,9 @@
         <p:grpSpPr>
           <a:xfrm>
             <a:off x="4571640" y="828000"/>
-            <a:ext cx="4468680" cy="3564720"/>
+            <a:ext cx="4468320" cy="3564360"/>
             <a:chOff x="4571640" y="828000"/>
-            <a:chExt cx="4468680" cy="3564720"/>
+            <a:chExt cx="4468320" cy="3564360"/>
           </a:xfrm>
         </p:grpSpPr>
         <p:pic>
@@ -7588,7 +7588,7 @@
           <p:spPr>
             <a:xfrm>
               <a:off x="4571640" y="828000"/>
-              <a:ext cx="4468680" cy="3564720"/>
+              <a:ext cx="4468320" cy="3564360"/>
             </a:xfrm>
             <a:prstGeom prst="rect">
               <a:avLst/>
@@ -7606,8 +7606,8 @@
           </p:nvSpPr>
           <p:spPr>
             <a:xfrm rot="16200000">
-              <a:off x="5962680" y="1158480"/>
-              <a:ext cx="1737720" cy="2771640"/>
+              <a:off x="5962680" y="1158840"/>
+              <a:ext cx="1737360" cy="2771280"/>
             </a:xfrm>
             <a:prstGeom prst="roundRect">
               <a:avLst>
@@ -7674,7 +7674,7 @@
         <p:spPr>
           <a:xfrm>
             <a:off x="586440" y="1246680"/>
-            <a:ext cx="4004640" cy="3600360"/>
+            <a:ext cx="4004280" cy="3600000"/>
           </a:xfrm>
           <a:prstGeom prst="rect">
             <a:avLst/>
@@ -7726,7 +7726,7 @@
         <p:spPr>
           <a:xfrm>
             <a:off x="5446080" y="1672200"/>
-            <a:ext cx="2780640" cy="1737720"/>
+            <a:ext cx="2780280" cy="1737360"/>
           </a:xfrm>
           <a:prstGeom prst="rect">
             <a:avLst/>
@@ -7778,7 +7778,7 @@
         <p:spPr>
           <a:xfrm>
             <a:off x="586440" y="453960"/>
-            <a:ext cx="3697200" cy="855720"/>
+            <a:ext cx="3696840" cy="855360"/>
           </a:xfrm>
           <a:prstGeom prst="rect">
             <a:avLst/>
@@ -7867,7 +7867,7 @@
         <p:spPr>
           <a:xfrm>
             <a:off x="4222080" y="1246680"/>
-            <a:ext cx="4115520" cy="3600360"/>
+            <a:ext cx="4115160" cy="3600000"/>
           </a:xfrm>
           <a:prstGeom prst="rect">
             <a:avLst/>
@@ -7918,8 +7918,8 @@
         </p:nvSpPr>
         <p:spPr>
           <a:xfrm rot="16200000">
-            <a:off x="-2181600" y="1733040"/>
-            <a:ext cx="5144400" cy="1684440"/>
+            <a:off x="-2181600" y="1733400"/>
+            <a:ext cx="5144040" cy="1684080"/>
           </a:xfrm>
           <a:prstGeom prst="roundRect">
             <a:avLst>
@@ -7956,8 +7956,8 @@
         </p:nvSpPr>
         <p:spPr>
           <a:xfrm rot="2745000">
-            <a:off x="8575200" y="104040"/>
-            <a:ext cx="1132920" cy="1132560"/>
+            <a:off x="8575200" y="103680"/>
+            <a:ext cx="1132560" cy="1132200"/>
           </a:xfrm>
           <a:prstGeom prst="roundRect">
             <a:avLst>
@@ -7994,8 +7994,8 @@
         </p:nvSpPr>
         <p:spPr>
           <a:xfrm rot="16200000">
-            <a:off x="614880" y="918360"/>
-            <a:ext cx="3232440" cy="3314160"/>
+            <a:off x="614880" y="918720"/>
+            <a:ext cx="3232080" cy="3313800"/>
           </a:xfrm>
           <a:prstGeom prst="roundRect">
             <a:avLst>
@@ -8061,7 +8061,7 @@
         <p:spPr>
           <a:xfrm>
             <a:off x="4214160" y="456120"/>
-            <a:ext cx="4112280" cy="855720"/>
+            <a:ext cx="4111920" cy="855360"/>
           </a:xfrm>
           <a:prstGeom prst="rect">
             <a:avLst/>
@@ -8149,8 +8149,8 @@
         </p:nvSpPr>
         <p:spPr>
           <a:xfrm rot="2744400">
-            <a:off x="-281520" y="-25920"/>
-            <a:ext cx="704880" cy="704520"/>
+            <a:off x="-281160" y="-25920"/>
+            <a:ext cx="704520" cy="704160"/>
           </a:xfrm>
           <a:prstGeom prst="roundRect">
             <a:avLst>
@@ -8188,7 +8188,7 @@
         <p:spPr>
           <a:xfrm rot="2332200">
             <a:off x="6009480" y="-319680"/>
-            <a:ext cx="4856040" cy="7727040"/>
+            <a:ext cx="4855680" cy="7726680"/>
           </a:xfrm>
           <a:prstGeom prst="roundRect">
             <a:avLst>
@@ -8226,9 +8226,9 @@
         <p:grpSpPr>
           <a:xfrm>
             <a:off x="4571640" y="828000"/>
-            <a:ext cx="4468680" cy="3564720"/>
+            <a:ext cx="4468320" cy="3564360"/>
             <a:chOff x="4571640" y="828000"/>
-            <a:chExt cx="4468680" cy="3564720"/>
+            <a:chExt cx="4468320" cy="3564360"/>
           </a:xfrm>
         </p:grpSpPr>
         <p:pic>
@@ -8244,7 +8244,7 @@
           <p:spPr>
             <a:xfrm>
               <a:off x="4571640" y="828000"/>
-              <a:ext cx="4468680" cy="3564720"/>
+              <a:ext cx="4468320" cy="3564360"/>
             </a:xfrm>
             <a:prstGeom prst="rect">
               <a:avLst/>
@@ -8262,8 +8262,8 @@
           </p:nvSpPr>
           <p:spPr>
             <a:xfrm rot="16200000">
-              <a:off x="5962680" y="1158480"/>
-              <a:ext cx="1737720" cy="2771640"/>
+              <a:off x="5962680" y="1158840"/>
+              <a:ext cx="1737360" cy="2771280"/>
             </a:xfrm>
             <a:prstGeom prst="roundRect">
               <a:avLst>
@@ -8330,7 +8330,7 @@
         <p:spPr>
           <a:xfrm>
             <a:off x="5446080" y="1672200"/>
-            <a:ext cx="2771280" cy="1737720"/>
+            <a:ext cx="2770920" cy="1737360"/>
           </a:xfrm>
           <a:prstGeom prst="rect">
             <a:avLst/>
@@ -8382,7 +8382,7 @@
         <p:spPr>
           <a:xfrm>
             <a:off x="586440" y="1246680"/>
-            <a:ext cx="4004640" cy="3600360"/>
+            <a:ext cx="4004280" cy="3600000"/>
           </a:xfrm>
           <a:prstGeom prst="rect">
             <a:avLst/>
@@ -8434,7 +8434,7 @@
         <p:spPr>
           <a:xfrm>
             <a:off x="586440" y="453960"/>
-            <a:ext cx="4764600" cy="855720"/>
+            <a:ext cx="4764240" cy="855360"/>
           </a:xfrm>
           <a:prstGeom prst="rect">
             <a:avLst/>
@@ -8523,7 +8523,7 @@
         <p:spPr>
           <a:xfrm rot="2745600">
             <a:off x="8349840" y="-668160"/>
-            <a:ext cx="1498680" cy="1498680"/>
+            <a:ext cx="1498320" cy="1498320"/>
           </a:xfrm>
           <a:prstGeom prst="roundRect">
             <a:avLst>
@@ -8560,8 +8560,8 @@
         </p:nvSpPr>
         <p:spPr>
           <a:xfrm rot="2745600">
-            <a:off x="7634160" y="-322560"/>
-            <a:ext cx="807480" cy="807840"/>
+            <a:off x="7634160" y="-322200"/>
+            <a:ext cx="807120" cy="807480"/>
           </a:xfrm>
           <a:prstGeom prst="roundRect">
             <a:avLst>
@@ -8600,7 +8600,7 @@
         <p:spPr>
           <a:xfrm>
             <a:off x="586440" y="899640"/>
-            <a:ext cx="7932240" cy="1537560"/>
+            <a:ext cx="7931880" cy="1537200"/>
           </a:xfrm>
           <a:prstGeom prst="rect">
             <a:avLst/>
@@ -8652,7 +8652,7 @@
         <p:spPr>
           <a:xfrm>
             <a:off x="608040" y="2545560"/>
-            <a:ext cx="3712680" cy="2256120"/>
+            <a:ext cx="3712320" cy="2255760"/>
           </a:xfrm>
           <a:prstGeom prst="rect">
             <a:avLst/>
@@ -8704,7 +8704,7 @@
         <p:spPr>
           <a:xfrm>
             <a:off x="4806360" y="2545560"/>
-            <a:ext cx="3712680" cy="2256120"/>
+            <a:ext cx="3712320" cy="2255760"/>
           </a:xfrm>
           <a:prstGeom prst="rect">
             <a:avLst/>
@@ -8756,7 +8756,7 @@
         <p:spPr>
           <a:xfrm>
             <a:off x="583200" y="450720"/>
-            <a:ext cx="7198560" cy="512640"/>
+            <a:ext cx="7198200" cy="512280"/>
           </a:xfrm>
           <a:prstGeom prst="rect">
             <a:avLst/>
@@ -8838,7 +8838,7 @@
         <p:spPr>
           <a:xfrm>
             <a:off x="586440" y="1246680"/>
-            <a:ext cx="4004640" cy="3600360"/>
+            <a:ext cx="4004280" cy="3600000"/>
           </a:xfrm>
           <a:prstGeom prst="rect">
             <a:avLst/>
@@ -8890,7 +8890,7 @@
         <p:spPr>
           <a:xfrm>
             <a:off x="559800" y="446040"/>
-            <a:ext cx="4284000" cy="684000"/>
+            <a:ext cx="4283640" cy="683640"/>
           </a:xfrm>
           <a:prstGeom prst="rect">
             <a:avLst/>
@@ -8942,7 +8942,7 @@
         <p:spPr>
           <a:xfrm>
             <a:off x="5097600" y="360"/>
-            <a:ext cx="4380120" cy="5144400"/>
+            <a:ext cx="4379760" cy="5144040"/>
           </a:xfrm>
           <a:prstGeom prst="roundRect">
             <a:avLst>
@@ -9007,8 +9007,8 @@
         </p:nvSpPr>
         <p:spPr>
           <a:xfrm rot="2744400">
-            <a:off x="-281520" y="-25920"/>
-            <a:ext cx="704880" cy="704520"/>
+            <a:off x="-281160" y="-25920"/>
+            <a:ext cx="704520" cy="704160"/>
           </a:xfrm>
           <a:prstGeom prst="roundRect">
             <a:avLst>
@@ -9046,7 +9046,7 @@
         <p:spPr>
           <a:xfrm rot="2625600">
             <a:off x="4861080" y="4146840"/>
-            <a:ext cx="468720" cy="468720"/>
+            <a:ext cx="468360" cy="468360"/>
           </a:xfrm>
           <a:prstGeom prst="roundRect">
             <a:avLst>
@@ -9120,8 +9120,8 @@
         </p:nvSpPr>
         <p:spPr>
           <a:xfrm rot="2744400">
-            <a:off x="-350640" y="4540320"/>
-            <a:ext cx="704880" cy="704520"/>
+            <a:off x="-350280" y="4539960"/>
+            <a:ext cx="704520" cy="704160"/>
           </a:xfrm>
           <a:prstGeom prst="roundRect">
             <a:avLst>
@@ -9158,8 +9158,8 @@
         </p:nvSpPr>
         <p:spPr>
           <a:xfrm rot="19228200">
-            <a:off x="5846760" y="-2266920"/>
-            <a:ext cx="4855680" cy="7726680"/>
+            <a:off x="5846400" y="-2266560"/>
+            <a:ext cx="4855320" cy="7726320"/>
           </a:xfrm>
           <a:prstGeom prst="roundRect">
             <a:avLst>
@@ -9197,9 +9197,9 @@
         <p:grpSpPr>
           <a:xfrm>
             <a:off x="4571640" y="828000"/>
-            <a:ext cx="4468680" cy="3564720"/>
+            <a:ext cx="4468320" cy="3564360"/>
             <a:chOff x="4571640" y="828000"/>
-            <a:chExt cx="4468680" cy="3564720"/>
+            <a:chExt cx="4468320" cy="3564360"/>
           </a:xfrm>
         </p:grpSpPr>
         <p:pic>
@@ -9215,7 +9215,7 @@
           <p:spPr>
             <a:xfrm>
               <a:off x="4571640" y="828000"/>
-              <a:ext cx="4468680" cy="3564720"/>
+              <a:ext cx="4468320" cy="3564360"/>
             </a:xfrm>
             <a:prstGeom prst="rect">
               <a:avLst/>
@@ -9233,8 +9233,8 @@
           </p:nvSpPr>
           <p:spPr>
             <a:xfrm rot="16200000">
-              <a:off x="5962680" y="1158480"/>
-              <a:ext cx="1737720" cy="2771640"/>
+              <a:off x="5962680" y="1158840"/>
+              <a:ext cx="1737360" cy="2771280"/>
             </a:xfrm>
             <a:prstGeom prst="roundRect">
               <a:avLst>
@@ -9301,7 +9301,7 @@
         <p:spPr>
           <a:xfrm>
             <a:off x="586440" y="1246680"/>
-            <a:ext cx="4004640" cy="3600360"/>
+            <a:ext cx="4004280" cy="3600000"/>
           </a:xfrm>
           <a:prstGeom prst="rect">
             <a:avLst/>
@@ -9353,7 +9353,7 @@
         <p:spPr>
           <a:xfrm>
             <a:off x="5446080" y="1672200"/>
-            <a:ext cx="2780640" cy="1737720"/>
+            <a:ext cx="2780280" cy="1737360"/>
           </a:xfrm>
           <a:prstGeom prst="rect">
             <a:avLst/>
@@ -9405,7 +9405,7 @@
         <p:spPr>
           <a:xfrm>
             <a:off x="586440" y="453960"/>
-            <a:ext cx="3697200" cy="855720"/>
+            <a:ext cx="3696840" cy="855360"/>
           </a:xfrm>
           <a:prstGeom prst="rect">
             <a:avLst/>
@@ -9494,7 +9494,7 @@
         <p:spPr>
           <a:xfrm>
             <a:off x="4222080" y="1246680"/>
-            <a:ext cx="4115520" cy="3600360"/>
+            <a:ext cx="4115160" cy="3600000"/>
           </a:xfrm>
           <a:prstGeom prst="rect">
             <a:avLst/>
@@ -9545,8 +9545,8 @@
         </p:nvSpPr>
         <p:spPr>
           <a:xfrm rot="16200000">
-            <a:off x="-2181600" y="1733040"/>
-            <a:ext cx="5144400" cy="1684440"/>
+            <a:off x="-2181600" y="1733400"/>
+            <a:ext cx="5144040" cy="1684080"/>
           </a:xfrm>
           <a:prstGeom prst="roundRect">
             <a:avLst>
@@ -9583,8 +9583,8 @@
         </p:nvSpPr>
         <p:spPr>
           <a:xfrm rot="2745000">
-            <a:off x="8575200" y="104040"/>
-            <a:ext cx="1132920" cy="1132560"/>
+            <a:off x="8575200" y="103680"/>
+            <a:ext cx="1132560" cy="1132200"/>
           </a:xfrm>
           <a:prstGeom prst="roundRect">
             <a:avLst>
@@ -9621,8 +9621,8 @@
         </p:nvSpPr>
         <p:spPr>
           <a:xfrm rot="16200000">
-            <a:off x="614880" y="918360"/>
-            <a:ext cx="3232440" cy="3314160"/>
+            <a:off x="614880" y="918720"/>
+            <a:ext cx="3232080" cy="3313800"/>
           </a:xfrm>
           <a:prstGeom prst="roundRect">
             <a:avLst>
@@ -9688,7 +9688,7 @@
         <p:spPr>
           <a:xfrm>
             <a:off x="4214160" y="456120"/>
-            <a:ext cx="4112280" cy="855720"/>
+            <a:ext cx="4111920" cy="855360"/>
           </a:xfrm>
           <a:prstGeom prst="rect">
             <a:avLst/>
@@ -9770,7 +9770,7 @@
         <p:spPr>
           <a:xfrm>
             <a:off x="586440" y="1246680"/>
-            <a:ext cx="4004640" cy="3600360"/>
+            <a:ext cx="4004280" cy="3600000"/>
           </a:xfrm>
           <a:prstGeom prst="rect">
             <a:avLst/>
@@ -9822,7 +9822,7 @@
         <p:spPr>
           <a:xfrm>
             <a:off x="559800" y="446040"/>
-            <a:ext cx="4284000" cy="684000"/>
+            <a:ext cx="4283640" cy="683640"/>
           </a:xfrm>
           <a:prstGeom prst="rect">
             <a:avLst/>
@@ -9874,7 +9874,7 @@
         <p:spPr>
           <a:xfrm>
             <a:off x="5097600" y="360"/>
-            <a:ext cx="4380120" cy="5144400"/>
+            <a:ext cx="4379760" cy="5144040"/>
           </a:xfrm>
           <a:prstGeom prst="roundRect">
             <a:avLst>
@@ -9939,8 +9939,8 @@
         </p:nvSpPr>
         <p:spPr>
           <a:xfrm rot="2744400">
-            <a:off x="-281520" y="-25920"/>
-            <a:ext cx="704880" cy="704520"/>
+            <a:off x="-281160" y="-25920"/>
+            <a:ext cx="704520" cy="704160"/>
           </a:xfrm>
           <a:prstGeom prst="roundRect">
             <a:avLst>
@@ -9978,7 +9978,7 @@
         <p:spPr>
           <a:xfrm rot="2625600">
             <a:off x="4861080" y="4146840"/>
-            <a:ext cx="468720" cy="468720"/>
+            <a:ext cx="468360" cy="468360"/>
           </a:xfrm>
           <a:prstGeom prst="roundRect">
             <a:avLst>
@@ -10052,8 +10052,8 @@
         </p:nvSpPr>
         <p:spPr>
           <a:xfrm rot="2744400">
-            <a:off x="-281520" y="-25920"/>
-            <a:ext cx="704880" cy="704520"/>
+            <a:off x="-281160" y="-25920"/>
+            <a:ext cx="704520" cy="704160"/>
           </a:xfrm>
           <a:prstGeom prst="roundRect">
             <a:avLst>
@@ -10091,7 +10091,7 @@
         <p:spPr>
           <a:xfrm rot="2332200">
             <a:off x="6009480" y="-319680"/>
-            <a:ext cx="4856040" cy="7727040"/>
+            <a:ext cx="4855680" cy="7726680"/>
           </a:xfrm>
           <a:prstGeom prst="roundRect">
             <a:avLst>
@@ -10129,9 +10129,9 @@
         <p:grpSpPr>
           <a:xfrm>
             <a:off x="4571640" y="828000"/>
-            <a:ext cx="4468680" cy="3564720"/>
+            <a:ext cx="4468320" cy="3564360"/>
             <a:chOff x="4571640" y="828000"/>
-            <a:chExt cx="4468680" cy="3564720"/>
+            <a:chExt cx="4468320" cy="3564360"/>
           </a:xfrm>
         </p:grpSpPr>
         <p:pic>
@@ -10147,7 +10147,7 @@
           <p:spPr>
             <a:xfrm>
               <a:off x="4571640" y="828000"/>
-              <a:ext cx="4468680" cy="3564720"/>
+              <a:ext cx="4468320" cy="3564360"/>
             </a:xfrm>
             <a:prstGeom prst="rect">
               <a:avLst/>
@@ -10165,8 +10165,8 @@
           </p:nvSpPr>
           <p:spPr>
             <a:xfrm rot="16200000">
-              <a:off x="5962680" y="1158480"/>
-              <a:ext cx="1737720" cy="2771640"/>
+              <a:off x="5962680" y="1158840"/>
+              <a:ext cx="1737360" cy="2771280"/>
             </a:xfrm>
             <a:prstGeom prst="roundRect">
               <a:avLst>
@@ -10233,7 +10233,7 @@
         <p:spPr>
           <a:xfrm>
             <a:off x="5446080" y="1672200"/>
-            <a:ext cx="2771280" cy="1737720"/>
+            <a:ext cx="2770920" cy="1737360"/>
           </a:xfrm>
           <a:prstGeom prst="rect">
             <a:avLst/>
@@ -10285,7 +10285,7 @@
         <p:spPr>
           <a:xfrm>
             <a:off x="586440" y="1246680"/>
-            <a:ext cx="4004640" cy="3600360"/>
+            <a:ext cx="4004280" cy="3600000"/>
           </a:xfrm>
           <a:prstGeom prst="rect">
             <a:avLst/>
@@ -10337,7 +10337,7 @@
         <p:spPr>
           <a:xfrm>
             <a:off x="586440" y="453960"/>
-            <a:ext cx="4764600" cy="855720"/>
+            <a:ext cx="4764240" cy="855360"/>
           </a:xfrm>
           <a:prstGeom prst="rect">
             <a:avLst/>
@@ -10426,7 +10426,7 @@
         <p:spPr>
           <a:xfrm rot="2745600">
             <a:off x="8349840" y="-668160"/>
-            <a:ext cx="1498680" cy="1498680"/>
+            <a:ext cx="1498320" cy="1498320"/>
           </a:xfrm>
           <a:prstGeom prst="roundRect">
             <a:avLst>
@@ -10463,8 +10463,8 @@
         </p:nvSpPr>
         <p:spPr>
           <a:xfrm rot="2745600">
-            <a:off x="7634160" y="-322560"/>
-            <a:ext cx="807480" cy="807840"/>
+            <a:off x="7634160" y="-322200"/>
+            <a:ext cx="807120" cy="807480"/>
           </a:xfrm>
           <a:prstGeom prst="roundRect">
             <a:avLst>
@@ -10503,7 +10503,7 @@
         <p:spPr>
           <a:xfrm>
             <a:off x="586440" y="899640"/>
-            <a:ext cx="7932240" cy="1537560"/>
+            <a:ext cx="7931880" cy="1537200"/>
           </a:xfrm>
           <a:prstGeom prst="rect">
             <a:avLst/>
@@ -10555,7 +10555,7 @@
         <p:spPr>
           <a:xfrm>
             <a:off x="608040" y="2545560"/>
-            <a:ext cx="3712680" cy="2256120"/>
+            <a:ext cx="3712320" cy="2255760"/>
           </a:xfrm>
           <a:prstGeom prst="rect">
             <a:avLst/>
@@ -10607,7 +10607,7 @@
         <p:spPr>
           <a:xfrm>
             <a:off x="4806360" y="2545560"/>
-            <a:ext cx="3712680" cy="2256120"/>
+            <a:ext cx="3712320" cy="2255760"/>
           </a:xfrm>
           <a:prstGeom prst="rect">
             <a:avLst/>
@@ -10659,7 +10659,7 @@
         <p:spPr>
           <a:xfrm>
             <a:off x="583200" y="450720"/>
-            <a:ext cx="7198560" cy="512640"/>
+            <a:ext cx="7198200" cy="512280"/>
           </a:xfrm>
           <a:prstGeom prst="rect">
             <a:avLst/>
@@ -10747,8 +10747,8 @@
         </p:nvSpPr>
         <p:spPr>
           <a:xfrm rot="2744400">
-            <a:off x="-281520" y="-25920"/>
-            <a:ext cx="704880" cy="704520"/>
+            <a:off x="-281160" y="-25920"/>
+            <a:ext cx="704520" cy="704160"/>
           </a:xfrm>
           <a:prstGeom prst="roundRect">
             <a:avLst>
@@ -10786,7 +10786,7 @@
         <p:spPr>
           <a:xfrm>
             <a:off x="569160" y="1888920"/>
-            <a:ext cx="4821480" cy="820800"/>
+            <a:ext cx="4821120" cy="820800"/>
           </a:xfrm>
           <a:prstGeom prst="rect">
             <a:avLst/>
@@ -10837,8 +10837,8 @@
         </p:nvSpPr>
         <p:spPr>
           <a:xfrm rot="18679800">
-            <a:off x="6782400" y="457560"/>
-            <a:ext cx="6251040" cy="4666680"/>
+            <a:off x="6782040" y="457560"/>
+            <a:ext cx="6250680" cy="4666320"/>
           </a:xfrm>
           <a:prstGeom prst="roundRect">
             <a:avLst>
@@ -10876,7 +10876,7 @@
         <p:spPr>
           <a:xfrm rot="2625600">
             <a:off x="6024960" y="4332960"/>
-            <a:ext cx="468720" cy="468720"/>
+            <a:ext cx="468360" cy="468360"/>
           </a:xfrm>
           <a:prstGeom prst="roundRect">
             <a:avLst>
@@ -10914,7 +10914,7 @@
         <p:spPr>
           <a:xfrm>
             <a:off x="1640880" y="4592880"/>
-            <a:ext cx="2995920" cy="266760"/>
+            <a:ext cx="2995560" cy="266400"/>
           </a:xfrm>
           <a:prstGeom prst="rect">
             <a:avLst/>
@@ -10976,7 +10976,7 @@
         <p:spPr>
           <a:xfrm>
             <a:off x="867240" y="3590280"/>
-            <a:ext cx="253800" cy="254160"/>
+            <a:ext cx="253440" cy="253800"/>
           </a:xfrm>
           <a:prstGeom prst="ellipse">
             <a:avLst/>
@@ -11011,7 +11011,7 @@
         <p:spPr>
           <a:xfrm>
             <a:off x="351000" y="3793320"/>
-            <a:ext cx="1286280" cy="1131840"/>
+            <a:ext cx="1285920" cy="1131480"/>
           </a:xfrm>
           <a:prstGeom prst="rect">
             <a:avLst/>
@@ -11066,8 +11066,8 @@
         </p:nvSpPr>
         <p:spPr>
           <a:xfrm rot="2744400">
-            <a:off x="-350640" y="4540320"/>
-            <a:ext cx="704880" cy="704520"/>
+            <a:off x="-350280" y="4539960"/>
+            <a:ext cx="704520" cy="704160"/>
           </a:xfrm>
           <a:prstGeom prst="roundRect">
             <a:avLst>
@@ -11104,8 +11104,8 @@
         </p:nvSpPr>
         <p:spPr>
           <a:xfrm rot="19228200">
-            <a:off x="5846760" y="-2266920"/>
-            <a:ext cx="4855680" cy="7726680"/>
+            <a:off x="5846400" y="-2266560"/>
+            <a:ext cx="4855320" cy="7726320"/>
           </a:xfrm>
           <a:prstGeom prst="roundRect">
             <a:avLst>
@@ -11143,9 +11143,9 @@
         <p:grpSpPr>
           <a:xfrm>
             <a:off x="4571640" y="828000"/>
-            <a:ext cx="4468680" cy="3564720"/>
+            <a:ext cx="4468320" cy="3564360"/>
             <a:chOff x="4571640" y="828000"/>
-            <a:chExt cx="4468680" cy="3564720"/>
+            <a:chExt cx="4468320" cy="3564360"/>
           </a:xfrm>
         </p:grpSpPr>
         <p:pic>
@@ -11161,7 +11161,7 @@
           <p:spPr>
             <a:xfrm>
               <a:off x="4571640" y="828000"/>
-              <a:ext cx="4468680" cy="3564720"/>
+              <a:ext cx="4468320" cy="3564360"/>
             </a:xfrm>
             <a:prstGeom prst="rect">
               <a:avLst/>
@@ -11179,8 +11179,8 @@
           </p:nvSpPr>
           <p:spPr>
             <a:xfrm rot="16200000">
-              <a:off x="5962680" y="1158480"/>
-              <a:ext cx="1737720" cy="2771640"/>
+              <a:off x="5962680" y="1158840"/>
+              <a:ext cx="1737360" cy="2771280"/>
             </a:xfrm>
             <a:prstGeom prst="roundRect">
               <a:avLst>
@@ -11247,7 +11247,7 @@
         <p:spPr>
           <a:xfrm>
             <a:off x="586440" y="1246680"/>
-            <a:ext cx="4004640" cy="3600360"/>
+            <a:ext cx="4004280" cy="3600000"/>
           </a:xfrm>
           <a:prstGeom prst="rect">
             <a:avLst/>
@@ -11299,7 +11299,7 @@
         <p:spPr>
           <a:xfrm>
             <a:off x="5446080" y="1672200"/>
-            <a:ext cx="2780640" cy="1737720"/>
+            <a:ext cx="2780280" cy="1737360"/>
           </a:xfrm>
           <a:prstGeom prst="rect">
             <a:avLst/>
@@ -11351,7 +11351,7 @@
         <p:spPr>
           <a:xfrm>
             <a:off x="586440" y="453960"/>
-            <a:ext cx="3697200" cy="855720"/>
+            <a:ext cx="3696840" cy="855360"/>
           </a:xfrm>
           <a:prstGeom prst="rect">
             <a:avLst/>
@@ -11440,7 +11440,7 @@
         <p:spPr>
           <a:xfrm>
             <a:off x="4222080" y="1246680"/>
-            <a:ext cx="4115520" cy="3600360"/>
+            <a:ext cx="4115160" cy="3600000"/>
           </a:xfrm>
           <a:prstGeom prst="rect">
             <a:avLst/>
@@ -11491,8 +11491,8 @@
         </p:nvSpPr>
         <p:spPr>
           <a:xfrm rot="16200000">
-            <a:off x="-2181600" y="1733040"/>
-            <a:ext cx="5144400" cy="1684440"/>
+            <a:off x="-2181600" y="1733400"/>
+            <a:ext cx="5144040" cy="1684080"/>
           </a:xfrm>
           <a:prstGeom prst="roundRect">
             <a:avLst>
@@ -11529,8 +11529,8 @@
         </p:nvSpPr>
         <p:spPr>
           <a:xfrm rot="2745000">
-            <a:off x="8575200" y="104040"/>
-            <a:ext cx="1132920" cy="1132560"/>
+            <a:off x="8575200" y="103680"/>
+            <a:ext cx="1132560" cy="1132200"/>
           </a:xfrm>
           <a:prstGeom prst="roundRect">
             <a:avLst>
@@ -11567,8 +11567,8 @@
         </p:nvSpPr>
         <p:spPr>
           <a:xfrm rot="16200000">
-            <a:off x="614880" y="918360"/>
-            <a:ext cx="3232440" cy="3314160"/>
+            <a:off x="614880" y="918720"/>
+            <a:ext cx="3232080" cy="3313800"/>
           </a:xfrm>
           <a:prstGeom prst="roundRect">
             <a:avLst>
@@ -11634,7 +11634,7 @@
         <p:spPr>
           <a:xfrm>
             <a:off x="4214160" y="456120"/>
-            <a:ext cx="4112280" cy="855720"/>
+            <a:ext cx="4111920" cy="855360"/>
           </a:xfrm>
           <a:prstGeom prst="rect">
             <a:avLst/>
@@ -11722,8 +11722,8 @@
         </p:nvSpPr>
         <p:spPr>
           <a:xfrm rot="2744400">
-            <a:off x="-281520" y="-25920"/>
-            <a:ext cx="704880" cy="704520"/>
+            <a:off x="-281160" y="-25920"/>
+            <a:ext cx="704520" cy="704160"/>
           </a:xfrm>
           <a:prstGeom prst="roundRect">
             <a:avLst>
@@ -11761,7 +11761,7 @@
         <p:spPr>
           <a:xfrm rot="2332200">
             <a:off x="6009480" y="-319680"/>
-            <a:ext cx="4856040" cy="7727040"/>
+            <a:ext cx="4855680" cy="7726680"/>
           </a:xfrm>
           <a:prstGeom prst="roundRect">
             <a:avLst>
@@ -11799,9 +11799,9 @@
         <p:grpSpPr>
           <a:xfrm>
             <a:off x="4571640" y="828000"/>
-            <a:ext cx="4468680" cy="3564720"/>
+            <a:ext cx="4468320" cy="3564360"/>
             <a:chOff x="4571640" y="828000"/>
-            <a:chExt cx="4468680" cy="3564720"/>
+            <a:chExt cx="4468320" cy="3564360"/>
           </a:xfrm>
         </p:grpSpPr>
         <p:pic>
@@ -11817,7 +11817,7 @@
           <p:spPr>
             <a:xfrm>
               <a:off x="4571640" y="828000"/>
-              <a:ext cx="4468680" cy="3564720"/>
+              <a:ext cx="4468320" cy="3564360"/>
             </a:xfrm>
             <a:prstGeom prst="rect">
               <a:avLst/>
@@ -11835,8 +11835,8 @@
           </p:nvSpPr>
           <p:spPr>
             <a:xfrm rot="16200000">
-              <a:off x="5962680" y="1158480"/>
-              <a:ext cx="1737720" cy="2771640"/>
+              <a:off x="5962680" y="1158840"/>
+              <a:ext cx="1737360" cy="2771280"/>
             </a:xfrm>
             <a:prstGeom prst="roundRect">
               <a:avLst>
@@ -11903,7 +11903,7 @@
         <p:spPr>
           <a:xfrm>
             <a:off x="5446080" y="1672200"/>
-            <a:ext cx="2771280" cy="1737720"/>
+            <a:ext cx="2770920" cy="1737360"/>
           </a:xfrm>
           <a:prstGeom prst="rect">
             <a:avLst/>
@@ -11955,7 +11955,7 @@
         <p:spPr>
           <a:xfrm>
             <a:off x="586440" y="1246680"/>
-            <a:ext cx="4004640" cy="3600360"/>
+            <a:ext cx="4004280" cy="3600000"/>
           </a:xfrm>
           <a:prstGeom prst="rect">
             <a:avLst/>
@@ -12007,7 +12007,7 @@
         <p:spPr>
           <a:xfrm>
             <a:off x="586440" y="453960"/>
-            <a:ext cx="4764600" cy="855720"/>
+            <a:ext cx="4764240" cy="855360"/>
           </a:xfrm>
           <a:prstGeom prst="rect">
             <a:avLst/>
@@ -12096,7 +12096,7 @@
         <p:spPr>
           <a:xfrm rot="2745600">
             <a:off x="8349840" y="-668160"/>
-            <a:ext cx="1498680" cy="1498680"/>
+            <a:ext cx="1498320" cy="1498320"/>
           </a:xfrm>
           <a:prstGeom prst="roundRect">
             <a:avLst>
@@ -12133,8 +12133,8 @@
         </p:nvSpPr>
         <p:spPr>
           <a:xfrm rot="2745600">
-            <a:off x="7634160" y="-322560"/>
-            <a:ext cx="807480" cy="807840"/>
+            <a:off x="7634160" y="-322200"/>
+            <a:ext cx="807120" cy="807480"/>
           </a:xfrm>
           <a:prstGeom prst="roundRect">
             <a:avLst>
@@ -12173,7 +12173,7 @@
         <p:spPr>
           <a:xfrm>
             <a:off x="586440" y="899640"/>
-            <a:ext cx="7932240" cy="1537560"/>
+            <a:ext cx="7931880" cy="1537200"/>
           </a:xfrm>
           <a:prstGeom prst="rect">
             <a:avLst/>
@@ -12225,7 +12225,7 @@
         <p:spPr>
           <a:xfrm>
             <a:off x="608040" y="2545560"/>
-            <a:ext cx="3712680" cy="2256120"/>
+            <a:ext cx="3712320" cy="2255760"/>
           </a:xfrm>
           <a:prstGeom prst="rect">
             <a:avLst/>
@@ -12277,7 +12277,7 @@
         <p:spPr>
           <a:xfrm>
             <a:off x="4806360" y="2545560"/>
-            <a:ext cx="3712680" cy="2256120"/>
+            <a:ext cx="3712320" cy="2255760"/>
           </a:xfrm>
           <a:prstGeom prst="rect">
             <a:avLst/>
@@ -12329,7 +12329,7 @@
         <p:spPr>
           <a:xfrm>
             <a:off x="583200" y="450720"/>
-            <a:ext cx="7198560" cy="512640"/>
+            <a:ext cx="7198200" cy="512280"/>
           </a:xfrm>
           <a:prstGeom prst="rect">
             <a:avLst/>
@@ -12411,7 +12411,7 @@
         <p:spPr>
           <a:xfrm>
             <a:off x="586440" y="1246680"/>
-            <a:ext cx="4004640" cy="3600360"/>
+            <a:ext cx="4004280" cy="3600000"/>
           </a:xfrm>
           <a:prstGeom prst="rect">
             <a:avLst/>
@@ -12463,7 +12463,7 @@
         <p:spPr>
           <a:xfrm>
             <a:off x="559800" y="446040"/>
-            <a:ext cx="4284000" cy="684000"/>
+            <a:ext cx="4283640" cy="683640"/>
           </a:xfrm>
           <a:prstGeom prst="rect">
             <a:avLst/>
@@ -12515,7 +12515,7 @@
         <p:spPr>
           <a:xfrm>
             <a:off x="5097600" y="360"/>
-            <a:ext cx="4380120" cy="5144400"/>
+            <a:ext cx="4379760" cy="5144040"/>
           </a:xfrm>
           <a:prstGeom prst="roundRect">
             <a:avLst>
@@ -12580,8 +12580,8 @@
         </p:nvSpPr>
         <p:spPr>
           <a:xfrm rot="2744400">
-            <a:off x="-281520" y="-25920"/>
-            <a:ext cx="704880" cy="704520"/>
+            <a:off x="-281160" y="-25920"/>
+            <a:ext cx="704520" cy="704160"/>
           </a:xfrm>
           <a:prstGeom prst="roundRect">
             <a:avLst>
@@ -12619,7 +12619,7 @@
         <p:spPr>
           <a:xfrm rot="2625600">
             <a:off x="4861080" y="4146840"/>
-            <a:ext cx="468720" cy="468720"/>
+            <a:ext cx="468360" cy="468360"/>
           </a:xfrm>
           <a:prstGeom prst="roundRect">
             <a:avLst>
@@ -12693,8 +12693,8 @@
         </p:nvSpPr>
         <p:spPr>
           <a:xfrm rot="2744400">
-            <a:off x="-350640" y="4540320"/>
-            <a:ext cx="704880" cy="704520"/>
+            <a:off x="-350280" y="4539960"/>
+            <a:ext cx="704520" cy="704160"/>
           </a:xfrm>
           <a:prstGeom prst="roundRect">
             <a:avLst>
@@ -12731,8 +12731,8 @@
         </p:nvSpPr>
         <p:spPr>
           <a:xfrm rot="19228200">
-            <a:off x="5846760" y="-2266920"/>
-            <a:ext cx="4855680" cy="7726680"/>
+            <a:off x="5846400" y="-2266560"/>
+            <a:ext cx="4855320" cy="7726320"/>
           </a:xfrm>
           <a:prstGeom prst="roundRect">
             <a:avLst>
@@ -12770,9 +12770,9 @@
         <p:grpSpPr>
           <a:xfrm>
             <a:off x="4571640" y="828000"/>
-            <a:ext cx="4468680" cy="3564720"/>
+            <a:ext cx="4468320" cy="3564360"/>
             <a:chOff x="4571640" y="828000"/>
-            <a:chExt cx="4468680" cy="3564720"/>
+            <a:chExt cx="4468320" cy="3564360"/>
           </a:xfrm>
         </p:grpSpPr>
         <p:pic>
@@ -12788,7 +12788,7 @@
           <p:spPr>
             <a:xfrm>
               <a:off x="4571640" y="828000"/>
-              <a:ext cx="4468680" cy="3564720"/>
+              <a:ext cx="4468320" cy="3564360"/>
             </a:xfrm>
             <a:prstGeom prst="rect">
               <a:avLst/>
@@ -12806,8 +12806,8 @@
           </p:nvSpPr>
           <p:spPr>
             <a:xfrm rot="16200000">
-              <a:off x="5962680" y="1158480"/>
-              <a:ext cx="1737720" cy="2771640"/>
+              <a:off x="5962680" y="1158840"/>
+              <a:ext cx="1737360" cy="2771280"/>
             </a:xfrm>
             <a:prstGeom prst="roundRect">
               <a:avLst>
@@ -12874,7 +12874,7 @@
         <p:spPr>
           <a:xfrm>
             <a:off x="586440" y="1246680"/>
-            <a:ext cx="4004640" cy="3600360"/>
+            <a:ext cx="4004280" cy="3600000"/>
           </a:xfrm>
           <a:prstGeom prst="rect">
             <a:avLst/>
@@ -12926,7 +12926,7 @@
         <p:spPr>
           <a:xfrm>
             <a:off x="5446080" y="1672200"/>
-            <a:ext cx="2780640" cy="1737720"/>
+            <a:ext cx="2780280" cy="1737360"/>
           </a:xfrm>
           <a:prstGeom prst="rect">
             <a:avLst/>
@@ -12978,7 +12978,7 @@
         <p:spPr>
           <a:xfrm>
             <a:off x="586440" y="453960"/>
-            <a:ext cx="3697200" cy="855720"/>
+            <a:ext cx="3696840" cy="855360"/>
           </a:xfrm>
           <a:prstGeom prst="rect">
             <a:avLst/>
@@ -13067,7 +13067,7 @@
         <p:spPr>
           <a:xfrm>
             <a:off x="4222080" y="1246680"/>
-            <a:ext cx="4115520" cy="3600360"/>
+            <a:ext cx="4115160" cy="3600000"/>
           </a:xfrm>
           <a:prstGeom prst="rect">
             <a:avLst/>
@@ -13118,8 +13118,8 @@
         </p:nvSpPr>
         <p:spPr>
           <a:xfrm rot="16200000">
-            <a:off x="-2181600" y="1733040"/>
-            <a:ext cx="5144400" cy="1684440"/>
+            <a:off x="-2181600" y="1733400"/>
+            <a:ext cx="5144040" cy="1684080"/>
           </a:xfrm>
           <a:prstGeom prst="roundRect">
             <a:avLst>
@@ -13156,8 +13156,8 @@
         </p:nvSpPr>
         <p:spPr>
           <a:xfrm rot="2745000">
-            <a:off x="8575200" y="104040"/>
-            <a:ext cx="1132920" cy="1132560"/>
+            <a:off x="8575200" y="103680"/>
+            <a:ext cx="1132560" cy="1132200"/>
           </a:xfrm>
           <a:prstGeom prst="roundRect">
             <a:avLst>
@@ -13194,8 +13194,8 @@
         </p:nvSpPr>
         <p:spPr>
           <a:xfrm rot="16200000">
-            <a:off x="614880" y="918360"/>
-            <a:ext cx="3232440" cy="3314160"/>
+            <a:off x="614880" y="918720"/>
+            <a:ext cx="3232080" cy="3313800"/>
           </a:xfrm>
           <a:prstGeom prst="roundRect">
             <a:avLst>
@@ -13261,7 +13261,7 @@
         <p:spPr>
           <a:xfrm>
             <a:off x="4214160" y="456120"/>
-            <a:ext cx="4112280" cy="855720"/>
+            <a:ext cx="4111920" cy="855360"/>
           </a:xfrm>
           <a:prstGeom prst="rect">
             <a:avLst/>
